--- a/sumit resume_colored BW.pptx
+++ b/sumit resume_colored BW.pptx
@@ -2972,47 +2972,6 @@
           <a:chExt cx="0" cy="0"/>
         </a:xfrm>
       </p:grpSpPr>
-      <p:pic>
-        <p:nvPicPr>
-          <p:cNvPr id="6" name="Picture 5">
-            <a:extLst>
-              <a:ext uri="{FF2B5EF4-FFF2-40B4-BE49-F238E27FC236}">
-                <a16:creationId xmlns:a16="http://schemas.microsoft.com/office/drawing/2014/main" id="{6F10C02B-5CE5-47E2-BB9D-4B53B7A31536}"/>
-              </a:ext>
-            </a:extLst>
-          </p:cNvPr>
-          <p:cNvPicPr>
-            <a:picLocks noChangeAspect="1"/>
-          </p:cNvPicPr>
-          <p:nvPr/>
-        </p:nvPicPr>
-        <p:blipFill>
-          <a:blip r:embed="rId2">
-            <a:extLst>
-              <a:ext uri="{28A0092B-C50C-407E-A947-70E740481C1C}">
-                <a14:useLocalDpi xmlns:a14="http://schemas.microsoft.com/office/drawing/2010/main" val="0"/>
-              </a:ext>
-            </a:extLst>
-          </a:blip>
-          <a:stretch>
-            <a:fillRect/>
-          </a:stretch>
-        </p:blipFill>
-        <p:spPr>
-          <a:xfrm>
-            <a:off x="152687" y="148563"/>
-            <a:ext cx="1030432" cy="1030432"/>
-          </a:xfrm>
-          <a:prstGeom prst="ellipse">
-            <a:avLst/>
-          </a:prstGeom>
-          <a:ln w="38100">
-            <a:solidFill>
-              <a:schemeClr val="bg1"/>
-            </a:solidFill>
-          </a:ln>
-        </p:spPr>
-      </p:pic>
       <p:sp>
         <p:nvSpPr>
           <p:cNvPr id="7" name="TextBox 6">
@@ -3027,7 +2986,7 @@
         </p:nvSpPr>
         <p:spPr>
           <a:xfrm>
-            <a:off x="1237388" y="301693"/>
+            <a:off x="911514" y="101032"/>
             <a:ext cx="1495730" cy="369332"/>
           </a:xfrm>
           <a:prstGeom prst="rect">
@@ -3064,8 +3023,8 @@
         </p:nvSpPr>
         <p:spPr>
           <a:xfrm>
-            <a:off x="1237388" y="574621"/>
-            <a:ext cx="4485468" cy="1015663"/>
+            <a:off x="911514" y="373960"/>
+            <a:ext cx="4485468" cy="1200329"/>
           </a:xfrm>
           <a:prstGeom prst="rect">
             <a:avLst/>
@@ -3104,11 +3063,17 @@
           <a:p>
             <a:r>
               <a:rPr lang="en-IN" sz="1200" b="1" dirty="0"/>
+              <a:t>Mobile No: +886-909729002</a:t>
+            </a:r>
+          </a:p>
+          <a:p>
+            <a:r>
+              <a:rPr lang="en-IN" sz="1200" b="1" dirty="0"/>
               <a:t>Email: </a:t>
             </a:r>
             <a:r>
               <a:rPr lang="en-IN" sz="1200" b="1" dirty="0">
-                <a:hlinkClick r:id="rId3">
+                <a:hlinkClick r:id="rId2">
                   <a:extLst>
                     <a:ext uri="{A12FA001-AC4F-418D-AE19-62706E023703}">
                       <ahyp:hlinkClr xmlns:ahyp="http://schemas.microsoft.com/office/drawing/2018/hyperlinkcolor" val="tx"/>
@@ -3139,7 +3104,7 @@
         </p:nvSpPr>
         <p:spPr>
           <a:xfrm>
-            <a:off x="932032" y="5672579"/>
+            <a:off x="932032" y="5971338"/>
             <a:ext cx="2036583" cy="307777"/>
           </a:xfrm>
           <a:prstGeom prst="rect">
@@ -3175,7 +3140,7 @@
         </p:nvSpPr>
         <p:spPr>
           <a:xfrm>
-            <a:off x="926711" y="5968404"/>
+            <a:off x="926711" y="6267163"/>
             <a:ext cx="5732487" cy="1492716"/>
           </a:xfrm>
           <a:prstGeom prst="rect">
@@ -3257,7 +3222,7 @@
         </p:nvSpPr>
         <p:spPr>
           <a:xfrm>
-            <a:off x="911514" y="7226308"/>
+            <a:off x="911514" y="7488841"/>
             <a:ext cx="2554033" cy="523220"/>
           </a:xfrm>
           <a:prstGeom prst="rect">
@@ -3295,7 +3260,7 @@
         </p:nvSpPr>
         <p:spPr>
           <a:xfrm>
-            <a:off x="911515" y="7756878"/>
+            <a:off x="911514" y="7912359"/>
             <a:ext cx="5561474" cy="1477328"/>
           </a:xfrm>
           <a:prstGeom prst="rect">
@@ -3420,7 +3385,7 @@
         </p:nvGrpSpPr>
         <p:grpSpPr>
           <a:xfrm>
-            <a:off x="490536" y="1601740"/>
+            <a:off x="490536" y="1721427"/>
             <a:ext cx="6519862" cy="1242120"/>
             <a:chOff x="490536" y="1591230"/>
             <a:chExt cx="6519862" cy="1242120"/>
@@ -3459,7 +3424,7 @@
                   <a:latin typeface="Times New Roman" panose="02020603050405020304" pitchFamily="18" charset="0"/>
                   <a:cs typeface="Times New Roman" panose="02020603050405020304" pitchFamily="18" charset="0"/>
                 </a:rPr>
-                <a:t>Examination	University	           Institute	             Year	Percentage/CGPA</a:t>
+                <a:t>Examination	University	           Institute	             Year	Percentage/GPA</a:t>
               </a:r>
             </a:p>
           </p:txBody>
@@ -3519,7 +3484,7 @@
                 <p:nvPr/>
               </p:nvPicPr>
               <p:blipFill>
-                <a:blip r:embed="rId4">
+                <a:blip r:embed="rId3">
                   <a:extLst>
                     <a:ext uri="{28A0092B-C50C-407E-A947-70E740481C1C}">
                       <a14:useLocalDpi xmlns:a14="http://schemas.microsoft.com/office/drawing/2010/main" val="0"/>
@@ -3574,7 +3539,7 @@
                 <a:noFill/>
                 <a:ln w="19050">
                   <a:solidFill>
-                    <a:schemeClr val="accent1"/>
+                    <a:schemeClr val="tx1"/>
                   </a:solidFill>
                 </a:ln>
               </p:spPr>
@@ -3599,7 +3564,16 @@
                 <a:lstStyle/>
                 <a:p>
                   <a:pPr algn="ctr"/>
-                  <a:endParaRPr lang="en-IN"/>
+                  <a:endParaRPr lang="en-IN">
+                    <a:ln>
+                      <a:solidFill>
+                        <a:schemeClr val="tx1"/>
+                      </a:solidFill>
+                    </a:ln>
+                    <a:solidFill>
+                      <a:schemeClr val="tx1"/>
+                    </a:solidFill>
+                  </a:endParaRPr>
                 </a:p>
               </p:txBody>
             </p:sp>
@@ -3662,6 +3636,11 @@
               <a:prstGeom prst="line">
                 <a:avLst/>
               </a:prstGeom>
+              <a:ln>
+                <a:solidFill>
+                  <a:schemeClr val="tx1"/>
+                </a:solidFill>
+              </a:ln>
             </p:spPr>
             <p:style>
               <a:lnRef idx="1">
@@ -3754,6 +3733,11 @@
               <a:prstGeom prst="line">
                 <a:avLst/>
               </a:prstGeom>
+              <a:ln>
+                <a:solidFill>
+                  <a:schemeClr val="tx1"/>
+                </a:solidFill>
+              </a:ln>
             </p:spPr>
             <p:style>
               <a:lnRef idx="1">
@@ -3827,7 +3811,7 @@
               <p:nvPr/>
             </p:nvPicPr>
             <p:blipFill>
-              <a:blip r:embed="rId5">
+              <a:blip r:embed="rId4">
                 <a:extLst>
                   <a:ext uri="{28A0092B-C50C-407E-A947-70E740481C1C}">
                     <a14:useLocalDpi xmlns:a14="http://schemas.microsoft.com/office/drawing/2010/main" val="0"/>
@@ -3880,7 +3864,11 @@
                 <a:avLst/>
               </a:prstGeom>
               <a:noFill/>
-              <a:ln w="19050"/>
+              <a:ln w="19050">
+                <a:solidFill>
+                  <a:schemeClr val="tx1"/>
+                </a:solidFill>
+              </a:ln>
             </p:spPr>
             <p:style>
               <a:lnRef idx="2">
@@ -4064,6 +4052,11 @@
             <a:prstGeom prst="line">
               <a:avLst/>
             </a:prstGeom>
+            <a:ln>
+              <a:solidFill>
+                <a:schemeClr val="tx1"/>
+              </a:solidFill>
+            </a:ln>
           </p:spPr>
           <p:style>
             <a:lnRef idx="1">
@@ -4187,6 +4180,11 @@
             <a:solidFill>
               <a:schemeClr val="bg1"/>
             </a:solidFill>
+            <a:ln>
+              <a:solidFill>
+                <a:schemeClr val="tx1"/>
+              </a:solidFill>
+            </a:ln>
           </p:spPr>
           <p:style>
             <a:lnRef idx="2">
@@ -4269,6 +4267,11 @@
             <a:prstGeom prst="line">
               <a:avLst/>
             </a:prstGeom>
+            <a:ln>
+              <a:solidFill>
+                <a:schemeClr val="tx1"/>
+              </a:solidFill>
+            </a:ln>
           </p:spPr>
           <p:style>
             <a:lnRef idx="1">
@@ -4300,7 +4303,7 @@
         </p:nvSpPr>
         <p:spPr>
           <a:xfrm>
-            <a:off x="602812" y="5782667"/>
+            <a:off x="602812" y="6081426"/>
             <a:ext cx="132488" cy="133350"/>
           </a:xfrm>
           <a:prstGeom prst="ellipse">
@@ -4311,7 +4314,7 @@
           </a:solidFill>
           <a:ln>
             <a:solidFill>
-              <a:schemeClr val="accent1"/>
+              <a:schemeClr val="tx1"/>
             </a:solidFill>
           </a:ln>
         </p:spPr>
@@ -4354,7 +4357,7 @@
         </p:nvSpPr>
         <p:spPr>
           <a:xfrm>
-            <a:off x="601659" y="7259313"/>
+            <a:off x="601659" y="7630496"/>
             <a:ext cx="132488" cy="133350"/>
           </a:xfrm>
           <a:prstGeom prst="ellipse">
@@ -4365,7 +4368,7 @@
           </a:solidFill>
           <a:ln>
             <a:solidFill>
-              <a:schemeClr val="accent1"/>
+              <a:schemeClr val="tx1"/>
             </a:solidFill>
           </a:ln>
         </p:spPr>
@@ -4492,12 +4495,17 @@
         </p:nvCxnSpPr>
         <p:spPr>
           <a:xfrm>
-            <a:off x="1018016" y="7543777"/>
+            <a:off x="1018016" y="7806310"/>
             <a:ext cx="5688742" cy="0"/>
           </a:xfrm>
           <a:prstGeom prst="line">
             <a:avLst/>
           </a:prstGeom>
+          <a:ln>
+            <a:solidFill>
+              <a:schemeClr val="tx1"/>
+            </a:solidFill>
+          </a:ln>
         </p:spPr>
         <p:style>
           <a:lnRef idx="1">
@@ -4529,7 +4537,7 @@
           <p:nvPr/>
         </p:nvPicPr>
         <p:blipFill>
-          <a:blip r:embed="rId6">
+          <a:blip r:embed="rId5">
             <a:extLst>
               <a:ext uri="{28A0092B-C50C-407E-A947-70E740481C1C}">
                 <a14:useLocalDpi xmlns:a14="http://schemas.microsoft.com/office/drawing/2010/main" val="0"/>
@@ -4550,6 +4558,82 @@
           </a:prstGeom>
         </p:spPr>
       </p:pic>
+      <p:cxnSp>
+        <p:nvCxnSpPr>
+          <p:cNvPr id="39" name="Straight Connector 38">
+            <a:extLst>
+              <a:ext uri="{FF2B5EF4-FFF2-40B4-BE49-F238E27FC236}">
+                <a16:creationId xmlns:a16="http://schemas.microsoft.com/office/drawing/2014/main" id="{75068246-F642-47C2-AD86-6D470FFAF178}"/>
+              </a:ext>
+            </a:extLst>
+          </p:cNvPr>
+          <p:cNvCxnSpPr/>
+          <p:nvPr/>
+        </p:nvCxnSpPr>
+        <p:spPr>
+          <a:xfrm>
+            <a:off x="1016515" y="6229516"/>
+            <a:ext cx="5688742" cy="0"/>
+          </a:xfrm>
+          <a:prstGeom prst="line">
+            <a:avLst/>
+          </a:prstGeom>
+          <a:ln>
+            <a:solidFill>
+              <a:schemeClr val="tx1"/>
+            </a:solidFill>
+          </a:ln>
+        </p:spPr>
+        <p:style>
+          <a:lnRef idx="1">
+            <a:schemeClr val="accent1"/>
+          </a:lnRef>
+          <a:fillRef idx="0">
+            <a:schemeClr val="accent1"/>
+          </a:fillRef>
+          <a:effectRef idx="0">
+            <a:schemeClr val="accent1"/>
+          </a:effectRef>
+          <a:fontRef idx="minor">
+            <a:schemeClr val="tx1"/>
+          </a:fontRef>
+        </p:style>
+      </p:cxnSp>
+      <p:sp>
+        <p:nvSpPr>
+          <p:cNvPr id="5" name="TextBox 4">
+            <a:extLst>
+              <a:ext uri="{FF2B5EF4-FFF2-40B4-BE49-F238E27FC236}">
+                <a16:creationId xmlns:a16="http://schemas.microsoft.com/office/drawing/2014/main" id="{B99CD451-4FAE-44EA-A280-05E10A7A1658}"/>
+              </a:ext>
+            </a:extLst>
+          </p:cNvPr>
+          <p:cNvSpPr txBox="1"/>
+          <p:nvPr/>
+        </p:nvSpPr>
+        <p:spPr>
+          <a:xfrm>
+            <a:off x="5436663" y="1373017"/>
+            <a:ext cx="1183337" cy="261610"/>
+          </a:xfrm>
+          <a:prstGeom prst="rect">
+            <a:avLst/>
+          </a:prstGeom>
+          <a:noFill/>
+        </p:spPr>
+        <p:txBody>
+          <a:bodyPr wrap="none" rtlCol="0">
+            <a:spAutoFit/>
+          </a:bodyPr>
+          <a:lstStyle/>
+          <a:p>
+            <a:r>
+              <a:rPr lang="en-IN" sz="1050" dirty="0"/>
+              <a:t>Personal Website</a:t>
+            </a:r>
+          </a:p>
+        </p:txBody>
+      </p:sp>
     </p:spTree>
     <p:extLst>
       <p:ext uri="{BB962C8B-B14F-4D97-AF65-F5344CB8AC3E}">
@@ -4636,6 +4720,11 @@
               <a:avLst/>
             </a:prstGeom>
             <a:noFill/>
+            <a:ln>
+              <a:solidFill>
+                <a:schemeClr val="tx1"/>
+              </a:solidFill>
+            </a:ln>
             <a:extLst>
               <a:ext uri="{909E8E84-426E-40DD-AFC4-6F175D3DCCD1}">
                 <a14:hiddenFill xmlns:a14="http://schemas.microsoft.com/office/drawing/2010/main">
@@ -4668,7 +4757,11 @@
               <a:avLst/>
             </a:prstGeom>
             <a:noFill/>
-            <a:ln w="19050"/>
+            <a:ln w="19050">
+              <a:solidFill>
+                <a:schemeClr val="tx1"/>
+              </a:solidFill>
+            </a:ln>
           </p:spPr>
           <p:style>
             <a:lnRef idx="2">
@@ -4718,6 +4811,11 @@
           <a:prstGeom prst="line">
             <a:avLst/>
           </a:prstGeom>
+          <a:ln>
+            <a:solidFill>
+              <a:schemeClr val="tx1"/>
+            </a:solidFill>
+          </a:ln>
         </p:spPr>
         <p:style>
           <a:lnRef idx="1">
@@ -4757,6 +4855,11 @@
           <a:solidFill>
             <a:schemeClr val="bg1"/>
           </a:solidFill>
+          <a:ln>
+            <a:solidFill>
+              <a:schemeClr val="tx1"/>
+            </a:solidFill>
+          </a:ln>
         </p:spPr>
         <p:style>
           <a:lnRef idx="2">
@@ -5258,7 +5361,11 @@
               <a:avLst/>
             </a:prstGeom>
             <a:noFill/>
-            <a:ln w="19050"/>
+            <a:ln w="19050">
+              <a:solidFill>
+                <a:schemeClr val="tx1"/>
+              </a:solidFill>
+            </a:ln>
           </p:spPr>
           <p:style>
             <a:lnRef idx="2">
@@ -5306,6 +5413,11 @@
           <a:prstGeom prst="line">
             <a:avLst/>
           </a:prstGeom>
+          <a:ln>
+            <a:solidFill>
+              <a:schemeClr val="tx1"/>
+            </a:solidFill>
+          </a:ln>
         </p:spPr>
         <p:style>
           <a:lnRef idx="1">
@@ -5378,6 +5490,11 @@
           <a:prstGeom prst="line">
             <a:avLst/>
           </a:prstGeom>
+          <a:ln>
+            <a:solidFill>
+              <a:schemeClr val="tx1"/>
+            </a:solidFill>
+          </a:ln>
         </p:spPr>
         <p:style>
           <a:lnRef idx="1">
@@ -5410,12 +5527,17 @@
         </p:nvCxnSpPr>
         <p:spPr>
           <a:xfrm flipH="1">
-            <a:off x="667902" y="5016183"/>
+            <a:off x="667902" y="5025236"/>
             <a:ext cx="1" cy="300413"/>
           </a:xfrm>
           <a:prstGeom prst="line">
             <a:avLst/>
           </a:prstGeom>
+          <a:ln>
+            <a:solidFill>
+              <a:schemeClr val="tx1"/>
+            </a:solidFill>
+          </a:ln>
         </p:spPr>
         <p:style>
           <a:lnRef idx="1">
@@ -5559,7 +5681,11 @@
               <a:avLst/>
             </a:prstGeom>
             <a:noFill/>
-            <a:ln w="19050"/>
+            <a:ln w="19050">
+              <a:solidFill>
+                <a:schemeClr val="tx1"/>
+              </a:solidFill>
+            </a:ln>
           </p:spPr>
           <p:style>
             <a:lnRef idx="2">
@@ -5609,6 +5735,11 @@
           <a:prstGeom prst="line">
             <a:avLst/>
           </a:prstGeom>
+          <a:ln>
+            <a:solidFill>
+              <a:schemeClr val="tx1"/>
+            </a:solidFill>
+          </a:ln>
         </p:spPr>
         <p:style>
           <a:lnRef idx="1">
@@ -5681,6 +5812,11 @@
           <a:prstGeom prst="line">
             <a:avLst/>
           </a:prstGeom>
+          <a:ln>
+            <a:solidFill>
+              <a:schemeClr val="tx1"/>
+            </a:solidFill>
+          </a:ln>
         </p:spPr>
         <p:style>
           <a:lnRef idx="1">
@@ -5844,7 +5980,11 @@
               <a:avLst/>
             </a:prstGeom>
             <a:noFill/>
-            <a:ln w="19050"/>
+            <a:ln w="19050">
+              <a:solidFill>
+                <a:schemeClr val="tx1"/>
+              </a:solidFill>
+            </a:ln>
           </p:spPr>
           <p:style>
             <a:lnRef idx="2">
@@ -5894,6 +6034,11 @@
           <a:prstGeom prst="line">
             <a:avLst/>
           </a:prstGeom>
+          <a:ln>
+            <a:solidFill>
+              <a:schemeClr val="tx1"/>
+            </a:solidFill>
+          </a:ln>
         </p:spPr>
         <p:style>
           <a:lnRef idx="1">
@@ -5966,6 +6111,11 @@
           <a:prstGeom prst="line">
             <a:avLst/>
           </a:prstGeom>
+          <a:ln>
+            <a:solidFill>
+              <a:schemeClr val="tx1"/>
+            </a:solidFill>
+          </a:ln>
         </p:spPr>
         <p:style>
           <a:lnRef idx="1">
@@ -6029,7 +6179,13 @@
               <a:rPr lang="en-US" sz="1000" b="1" dirty="0">
                 <a:latin typeface="Times New Roman" panose="02020603050405020304" pitchFamily="18" charset="0"/>
                 <a:cs typeface="Times New Roman" panose="02020603050405020304" pitchFamily="18" charset="0"/>
-                <a:hlinkClick r:id="rId6"/>
+                <a:hlinkClick r:id="rId6">
+                  <a:extLst>
+                    <a:ext uri="{A12FA001-AC4F-418D-AE19-62706E023703}">
+                      <ahyp:hlinkClr xmlns:ahyp="http://schemas.microsoft.com/office/drawing/2018/hyperlinkcolor" val="tx"/>
+                    </a:ext>
+                  </a:extLst>
+                </a:hlinkClick>
               </a:rPr>
               <a:t>[certificate]</a:t>
             </a:r>
@@ -6168,6 +6324,11 @@
             <a:prstGeom prst="line">
               <a:avLst/>
             </a:prstGeom>
+            <a:ln>
+              <a:solidFill>
+                <a:schemeClr val="tx1"/>
+              </a:solidFill>
+            </a:ln>
           </p:spPr>
           <p:style>
             <a:lnRef idx="1">
@@ -6272,7 +6433,11 @@
                 <a:avLst/>
               </a:prstGeom>
               <a:noFill/>
-              <a:ln w="19050"/>
+              <a:ln w="19050">
+                <a:solidFill>
+                  <a:schemeClr val="tx1"/>
+                </a:solidFill>
+              </a:ln>
             </p:spPr>
             <p:style>
               <a:lnRef idx="2">
@@ -6322,6 +6487,11 @@
             <a:prstGeom prst="line">
               <a:avLst/>
             </a:prstGeom>
+            <a:ln>
+              <a:solidFill>
+                <a:schemeClr val="tx1"/>
+              </a:solidFill>
+            </a:ln>
           </p:spPr>
           <p:style>
             <a:lnRef idx="1">
